--- a/Week 3/Slides/day1.pptx
+++ b/Week 3/Slides/day1.pptx
@@ -25,6 +25,13 @@
     <p:embeddedFont>
       <p:font typeface="Tomorrow Semi Bold" panose="020B0604020202020204" charset="0"/>
       <p:regular r:id="rId13"/>
+    </p:embeddedFont>
+    <p:embeddedFont>
+      <p:font typeface="Calibri" panose="020F0502020204030204" pitchFamily="34" charset="0"/>
+      <p:regular r:id="rId14"/>
+      <p:bold r:id="rId15"/>
+      <p:italic r:id="rId16"/>
+      <p:boldItalic r:id="rId17"/>
     </p:embeddedFont>
   </p:embeddedFontLst>
   <p:defaultTextStyle>
@@ -3737,7 +3744,7 @@
         </p:blipFill>
         <p:spPr>
           <a:xfrm>
-            <a:off x="1646121" y="1528975"/>
+            <a:off x="1646121" y="1381777"/>
             <a:ext cx="7500913" cy="5959845"/>
           </a:xfrm>
           <a:prstGeom prst="rect">
@@ -3778,6 +3785,70 @@
           </a:prstGeom>
         </p:spPr>
       </p:pic>
+      <p:sp>
+        <p:nvSpPr>
+          <p:cNvPr id="3" name="TextBox 2"/>
+          <p:cNvSpPr txBox="1"/>
+          <p:nvPr/>
+        </p:nvSpPr>
+        <p:spPr>
+          <a:xfrm>
+            <a:off x="5842659" y="3761536"/>
+            <a:ext cx="3123211" cy="1200329"/>
+          </a:xfrm>
+          <a:prstGeom prst="rect">
+            <a:avLst/>
+          </a:prstGeom>
+          <a:noFill/>
+        </p:spPr>
+        <p:txBody>
+          <a:bodyPr wrap="square" rtlCol="0">
+            <a:spAutoFit/>
+          </a:bodyPr>
+          <a:lstStyle/>
+          <a:p>
+            <a:r>
+              <a:rPr lang="en-US" dirty="0" smtClean="0"/>
+              <a:t>Unsupervised learning le shape size color </a:t>
+            </a:r>
+            <a:r>
+              <a:rPr lang="en-US" dirty="0" err="1" smtClean="0"/>
+              <a:t>ko</a:t>
+            </a:r>
+            <a:r>
+              <a:rPr lang="en-US" dirty="0" smtClean="0"/>
+              <a:t> </a:t>
+            </a:r>
+            <a:r>
+              <a:rPr lang="en-US" dirty="0" err="1" smtClean="0"/>
+              <a:t>aadhar</a:t>
+            </a:r>
+            <a:r>
+              <a:rPr lang="en-US" dirty="0" smtClean="0"/>
+              <a:t> ma </a:t>
+            </a:r>
+            <a:r>
+              <a:rPr lang="en-US" dirty="0" err="1" smtClean="0"/>
+              <a:t>xuttauxa</a:t>
+            </a:r>
+            <a:r>
+              <a:rPr lang="en-US" dirty="0" smtClean="0"/>
+              <a:t> </a:t>
+            </a:r>
+          </a:p>
+          <a:p>
+            <a:r>
+              <a:rPr lang="en-US" dirty="0" smtClean="0"/>
+              <a:t>Trained </a:t>
+            </a:r>
+            <a:r>
+              <a:rPr lang="en-US" dirty="0" err="1" smtClean="0"/>
+              <a:t>hudaina</a:t>
+            </a:r>
+            <a:endParaRPr lang="en-US" dirty="0"/>
+          </a:p>
+        </p:txBody>
+      </p:sp>
     </p:spTree>
     <p:extLst>
       <p:ext uri="{BB962C8B-B14F-4D97-AF65-F5344CB8AC3E}">
